--- a/UCB_Project3/UCB_Project3.pptx
+++ b/UCB_Project3/UCB_Project3.pptx
@@ -7578,7 +7578,7 @@
           <a:p>
             <a:fld id="{48A87A34-81AB-432B-8DAE-1953F412C126}" type="datetimeFigureOut">
               <a:rPr lang="en-US" dirty="0"/>
-              <a:t>7/25/19</a:t>
+              <a:t>7/27/19</a:t>
             </a:fld>
             <a:endParaRPr lang="en-US" dirty="0"/>
           </a:p>
@@ -7855,7 +7855,7 @@
           <a:p>
             <a:fld id="{48A87A34-81AB-432B-8DAE-1953F412C126}" type="datetimeFigureOut">
               <a:rPr lang="en-US" dirty="0"/>
-              <a:t>7/25/19</a:t>
+              <a:t>7/27/19</a:t>
             </a:fld>
             <a:endParaRPr lang="en-US" dirty="0"/>
           </a:p>
@@ -8097,7 +8097,7 @@
             <a:fld id="{48A87A34-81AB-432B-8DAE-1953F412C126}" type="datetimeFigureOut">
               <a:rPr lang="en-US" dirty="0"/>
               <a:pPr/>
-              <a:t>7/25/19</a:t>
+              <a:t>7/27/19</a:t>
             </a:fld>
             <a:endParaRPr lang="en-US" dirty="0"/>
           </a:p>
@@ -8418,7 +8418,7 @@
             <a:fld id="{48A87A34-81AB-432B-8DAE-1953F412C126}" type="datetimeFigureOut">
               <a:rPr lang="en-US" dirty="0"/>
               <a:pPr/>
-              <a:t>7/25/19</a:t>
+              <a:t>7/27/19</a:t>
             </a:fld>
             <a:endParaRPr lang="en-US" dirty="0"/>
           </a:p>
@@ -8902,7 +8902,7 @@
             <a:fld id="{48A87A34-81AB-432B-8DAE-1953F412C126}" type="datetimeFigureOut">
               <a:rPr lang="en-US" dirty="0"/>
               <a:pPr/>
-              <a:t>7/25/19</a:t>
+              <a:t>7/27/19</a:t>
             </a:fld>
             <a:endParaRPr lang="en-US" dirty="0"/>
           </a:p>
@@ -9459,7 +9459,7 @@
           <a:p>
             <a:fld id="{48A87A34-81AB-432B-8DAE-1953F412C126}" type="datetimeFigureOut">
               <a:rPr lang="en-US" dirty="0"/>
-              <a:t>7/25/19</a:t>
+              <a:t>7/27/19</a:t>
             </a:fld>
             <a:endParaRPr lang="en-US" dirty="0"/>
           </a:p>
@@ -10243,7 +10243,7 @@
           <a:p>
             <a:fld id="{48A87A34-81AB-432B-8DAE-1953F412C126}" type="datetimeFigureOut">
               <a:rPr lang="en-US" dirty="0"/>
-              <a:t>7/25/19</a:t>
+              <a:t>7/27/19</a:t>
             </a:fld>
             <a:endParaRPr lang="en-US" dirty="0"/>
           </a:p>
@@ -10428,7 +10428,7 @@
           <a:p>
             <a:fld id="{48A87A34-81AB-432B-8DAE-1953F412C126}" type="datetimeFigureOut">
               <a:rPr lang="en-US" dirty="0"/>
-              <a:t>7/25/19</a:t>
+              <a:t>7/27/19</a:t>
             </a:fld>
             <a:endParaRPr lang="en-US" dirty="0"/>
           </a:p>
@@ -10662,7 +10662,7 @@
             <a:fld id="{48A87A34-81AB-432B-8DAE-1953F412C126}" type="datetimeFigureOut">
               <a:rPr lang="en-US" dirty="0"/>
               <a:pPr/>
-              <a:t>7/25/19</a:t>
+              <a:t>7/27/19</a:t>
             </a:fld>
             <a:endParaRPr lang="en-US" dirty="0"/>
           </a:p>
@@ -11215,7 +11215,7 @@
           <a:p>
             <a:fld id="{48A87A34-81AB-432B-8DAE-1953F412C126}" type="datetimeFigureOut">
               <a:rPr lang="en-US" dirty="0"/>
-              <a:t>7/25/19</a:t>
+              <a:t>7/27/19</a:t>
             </a:fld>
             <a:endParaRPr lang="en-US" dirty="0"/>
           </a:p>
@@ -11515,7 +11515,7 @@
             <a:fld id="{48A87A34-81AB-432B-8DAE-1953F412C126}" type="datetimeFigureOut">
               <a:rPr lang="en-US" dirty="0"/>
               <a:pPr/>
-              <a:t>7/25/19</a:t>
+              <a:t>7/27/19</a:t>
             </a:fld>
             <a:endParaRPr lang="en-US" dirty="0"/>
           </a:p>
@@ -11767,7 +11767,7 @@
           <a:p>
             <a:fld id="{48A87A34-81AB-432B-8DAE-1953F412C126}" type="datetimeFigureOut">
               <a:rPr lang="en-US" dirty="0"/>
-              <a:t>7/25/19</a:t>
+              <a:t>7/27/19</a:t>
             </a:fld>
             <a:endParaRPr lang="en-US" dirty="0"/>
           </a:p>
@@ -12156,7 +12156,7 @@
           <a:p>
             <a:fld id="{48A87A34-81AB-432B-8DAE-1953F412C126}" type="datetimeFigureOut">
               <a:rPr lang="en-US" dirty="0"/>
-              <a:t>7/25/19</a:t>
+              <a:t>7/27/19</a:t>
             </a:fld>
             <a:endParaRPr lang="en-US" dirty="0"/>
           </a:p>
@@ -12284,7 +12284,7 @@
           <a:p>
             <a:fld id="{48A87A34-81AB-432B-8DAE-1953F412C126}" type="datetimeFigureOut">
               <a:rPr lang="en-US" dirty="0"/>
-              <a:t>7/25/19</a:t>
+              <a:t>7/27/19</a:t>
             </a:fld>
             <a:endParaRPr lang="en-US" dirty="0"/>
           </a:p>
@@ -12389,7 +12389,7 @@
           <a:p>
             <a:fld id="{48A87A34-81AB-432B-8DAE-1953F412C126}" type="datetimeFigureOut">
               <a:rPr lang="en-US" dirty="0"/>
-              <a:t>7/25/19</a:t>
+              <a:t>7/27/19</a:t>
             </a:fld>
             <a:endParaRPr lang="en-US" dirty="0"/>
           </a:p>
@@ -12647,7 +12647,7 @@
           <a:p>
             <a:fld id="{48A87A34-81AB-432B-8DAE-1953F412C126}" type="datetimeFigureOut">
               <a:rPr lang="en-US" dirty="0"/>
-              <a:t>7/25/19</a:t>
+              <a:t>7/27/19</a:t>
             </a:fld>
             <a:endParaRPr lang="en-US" dirty="0"/>
           </a:p>
@@ -12914,7 +12914,7 @@
           <a:p>
             <a:fld id="{48A87A34-81AB-432B-8DAE-1953F412C126}" type="datetimeFigureOut">
               <a:rPr lang="en-US" dirty="0"/>
-              <a:t>7/25/19</a:t>
+              <a:t>7/27/19</a:t>
             </a:fld>
             <a:endParaRPr lang="en-US" dirty="0"/>
           </a:p>
@@ -13168,7 +13168,7 @@
             <a:fld id="{48A87A34-81AB-432B-8DAE-1953F412C126}" type="datetimeFigureOut">
               <a:rPr lang="en-US" dirty="0"/>
               <a:pPr/>
-              <a:t>7/25/19</a:t>
+              <a:t>7/27/19</a:t>
             </a:fld>
             <a:endParaRPr lang="en-US" dirty="0"/>
           </a:p>
@@ -15354,13 +15354,78 @@
           <a:bodyPr/>
           <a:lstStyle/>
           <a:p>
-            <a:r>
-              <a:rPr lang="en-US" dirty="0"/>
-              <a:t>Link here</a:t>
-            </a:r>
+            <a:pPr marL="114300" indent="0">
+              <a:buNone/>
+            </a:pPr>
+            <a:endParaRPr lang="en-US" dirty="0"/>
           </a:p>
         </p:txBody>
       </p:sp>
+      <p:pic>
+        <p:nvPicPr>
+          <p:cNvPr id="4" name="Picture 3">
+            <a:hlinkClick r:id="rId3" tooltip="Play">
+              <a:snd r:embed="rId2" name="cashreg.wav"/>
+            </a:hlinkClick>
+            <a:extLst>
+              <a:ext uri="{FF2B5EF4-FFF2-40B4-BE49-F238E27FC236}">
+                <a16:creationId xmlns:a16="http://schemas.microsoft.com/office/drawing/2014/main" id="{3C31C199-F30D-5845-B64A-E21DB488E1C5}"/>
+              </a:ext>
+            </a:extLst>
+          </p:cNvPr>
+          <p:cNvPicPr>
+            <a:picLocks noChangeAspect="1"/>
+          </p:cNvPicPr>
+          <p:nvPr/>
+        </p:nvPicPr>
+        <p:blipFill rotWithShape="1">
+          <a:blip r:embed="rId4"/>
+          <a:srcRect l="11101" r="9910"/>
+          <a:stretch/>
+        </p:blipFill>
+        <p:spPr>
+          <a:xfrm>
+            <a:off x="3457303" y="1644650"/>
+            <a:ext cx="1611086" cy="2707132"/>
+          </a:xfrm>
+          <a:prstGeom prst="rect">
+            <a:avLst/>
+          </a:prstGeom>
+        </p:spPr>
+      </p:pic>
+      <p:pic>
+        <p:nvPicPr>
+          <p:cNvPr id="6" name="Picture 5">
+            <a:hlinkClick r:id="" action="ppaction://noaction">
+              <a:snd r:embed="rId5" name="drumroll.wav"/>
+            </a:hlinkClick>
+            <a:extLst>
+              <a:ext uri="{FF2B5EF4-FFF2-40B4-BE49-F238E27FC236}">
+                <a16:creationId xmlns:a16="http://schemas.microsoft.com/office/drawing/2014/main" id="{7258F6DA-5FE9-3F4A-BC7D-40C48BEB8562}"/>
+              </a:ext>
+            </a:extLst>
+          </p:cNvPr>
+          <p:cNvPicPr>
+            <a:picLocks noChangeAspect="1"/>
+          </p:cNvPicPr>
+          <p:nvPr/>
+        </p:nvPicPr>
+        <p:blipFill>
+          <a:blip r:embed="rId6"/>
+          <a:stretch>
+            <a:fillRect/>
+          </a:stretch>
+        </p:blipFill>
+        <p:spPr>
+          <a:xfrm>
+            <a:off x="356985" y="1504950"/>
+            <a:ext cx="1397000" cy="1066800"/>
+          </a:xfrm>
+          <a:prstGeom prst="rect">
+            <a:avLst/>
+          </a:prstGeom>
+        </p:spPr>
+      </p:pic>
     </p:spTree>
     <p:extLst>
       <p:ext uri="{BB962C8B-B14F-4D97-AF65-F5344CB8AC3E}">
